--- a/practice/Презент. практ. Куваев Т., Са-401.pptx
+++ b/practice/Презент. практ. Куваев Т., Са-401.pptx
@@ -5,16 +5,17 @@
     <p:sldMasterId id="2147483648" r:id="rId1"/>
   </p:sldMasterIdLst>
   <p:notesMasterIdLst>
-    <p:notesMasterId r:id="rId9"/>
+    <p:notesMasterId r:id="rId10"/>
   </p:notesMasterIdLst>
   <p:sldIdLst>
     <p:sldId id="256" r:id="rId2"/>
     <p:sldId id="258" r:id="rId3"/>
     <p:sldId id="262" r:id="rId4"/>
-    <p:sldId id="260" r:id="rId5"/>
-    <p:sldId id="259" r:id="rId6"/>
-    <p:sldId id="261" r:id="rId7"/>
-    <p:sldId id="263" r:id="rId8"/>
+    <p:sldId id="264" r:id="rId5"/>
+    <p:sldId id="260" r:id="rId6"/>
+    <p:sldId id="259" r:id="rId7"/>
+    <p:sldId id="261" r:id="rId8"/>
+    <p:sldId id="263" r:id="rId9"/>
   </p:sldIdLst>
   <p:sldSz cx="12192000" cy="6858000"/>
   <p:notesSz cx="6858000" cy="9144000"/>
@@ -203,7 +204,7 @@
           <a:p>
             <a:fld id="{CF9334C3-D41B-4480-8839-AE15912B82FB}" type="datetimeFigureOut">
               <a:rPr lang="ru-RU" smtClean="0"/>
-              <a:t>10.05.2025</a:t>
+              <a:t>12.05.2025</a:t>
             </a:fld>
             <a:endParaRPr lang="ru-RU"/>
           </a:p>
@@ -267,38 +268,37 @@
           <a:p>
             <a:pPr lvl="0"/>
             <a:r>
-              <a:rPr lang="ru-RU" smtClean="0"/>
+              <a:rPr lang="ru-RU"/>
               <a:t>Образец текста</a:t>
             </a:r>
           </a:p>
           <a:p>
             <a:pPr lvl="1"/>
             <a:r>
-              <a:rPr lang="ru-RU" smtClean="0"/>
+              <a:rPr lang="ru-RU"/>
               <a:t>Второй уровень</a:t>
             </a:r>
           </a:p>
           <a:p>
             <a:pPr lvl="2"/>
             <a:r>
-              <a:rPr lang="ru-RU" smtClean="0"/>
+              <a:rPr lang="ru-RU"/>
               <a:t>Третий уровень</a:t>
             </a:r>
           </a:p>
           <a:p>
             <a:pPr lvl="3"/>
             <a:r>
-              <a:rPr lang="ru-RU" smtClean="0"/>
+              <a:rPr lang="ru-RU"/>
               <a:t>Четвертый уровень</a:t>
             </a:r>
           </a:p>
           <a:p>
             <a:pPr lvl="4"/>
             <a:r>
-              <a:rPr lang="ru-RU" smtClean="0"/>
+              <a:rPr lang="ru-RU"/>
               <a:t>Пятый уровень</a:t>
             </a:r>
-            <a:endParaRPr lang="ru-RU"/>
           </a:p>
         </p:txBody>
       </p:sp>
@@ -536,7 +536,7 @@
           <a:p>
             <a:fld id="{E1F91825-DE32-4663-8020-2A8273AD12EF}" type="slidenum">
               <a:rPr lang="ru-RU" smtClean="0"/>
-              <a:t>4</a:t>
+              <a:t>5</a:t>
             </a:fld>
             <a:endParaRPr lang="ru-RU"/>
           </a:p>
@@ -702,7 +702,7 @@
           <a:p>
             <a:fld id="{DFBE82B5-E390-4F3F-A8DD-DBBDB9238106}" type="datetimeFigureOut">
               <a:rPr lang="ru-RU" smtClean="0"/>
-              <a:t>10.05.2025</a:t>
+              <a:t>12.05.2025</a:t>
             </a:fld>
             <a:endParaRPr lang="ru-RU"/>
           </a:p>
@@ -900,7 +900,7 @@
           <a:p>
             <a:fld id="{DFBE82B5-E390-4F3F-A8DD-DBBDB9238106}" type="datetimeFigureOut">
               <a:rPr lang="ru-RU" smtClean="0"/>
-              <a:t>10.05.2025</a:t>
+              <a:t>12.05.2025</a:t>
             </a:fld>
             <a:endParaRPr lang="ru-RU"/>
           </a:p>
@@ -1108,7 +1108,7 @@
           <a:p>
             <a:fld id="{DFBE82B5-E390-4F3F-A8DD-DBBDB9238106}" type="datetimeFigureOut">
               <a:rPr lang="ru-RU" smtClean="0"/>
-              <a:t>10.05.2025</a:t>
+              <a:t>12.05.2025</a:t>
             </a:fld>
             <a:endParaRPr lang="ru-RU"/>
           </a:p>
@@ -1306,7 +1306,7 @@
           <a:p>
             <a:fld id="{DFBE82B5-E390-4F3F-A8DD-DBBDB9238106}" type="datetimeFigureOut">
               <a:rPr lang="ru-RU" smtClean="0"/>
-              <a:t>10.05.2025</a:t>
+              <a:t>12.05.2025</a:t>
             </a:fld>
             <a:endParaRPr lang="ru-RU"/>
           </a:p>
@@ -1581,7 +1581,7 @@
           <a:p>
             <a:fld id="{DFBE82B5-E390-4F3F-A8DD-DBBDB9238106}" type="datetimeFigureOut">
               <a:rPr lang="ru-RU" smtClean="0"/>
-              <a:t>10.05.2025</a:t>
+              <a:t>12.05.2025</a:t>
             </a:fld>
             <a:endParaRPr lang="ru-RU"/>
           </a:p>
@@ -1846,7 +1846,7 @@
           <a:p>
             <a:fld id="{DFBE82B5-E390-4F3F-A8DD-DBBDB9238106}" type="datetimeFigureOut">
               <a:rPr lang="ru-RU" smtClean="0"/>
-              <a:t>10.05.2025</a:t>
+              <a:t>12.05.2025</a:t>
             </a:fld>
             <a:endParaRPr lang="ru-RU"/>
           </a:p>
@@ -2258,7 +2258,7 @@
           <a:p>
             <a:fld id="{DFBE82B5-E390-4F3F-A8DD-DBBDB9238106}" type="datetimeFigureOut">
               <a:rPr lang="ru-RU" smtClean="0"/>
-              <a:t>10.05.2025</a:t>
+              <a:t>12.05.2025</a:t>
             </a:fld>
             <a:endParaRPr lang="ru-RU"/>
           </a:p>
@@ -2399,7 +2399,7 @@
           <a:p>
             <a:fld id="{DFBE82B5-E390-4F3F-A8DD-DBBDB9238106}" type="datetimeFigureOut">
               <a:rPr lang="ru-RU" smtClean="0"/>
-              <a:t>10.05.2025</a:t>
+              <a:t>12.05.2025</a:t>
             </a:fld>
             <a:endParaRPr lang="ru-RU"/>
           </a:p>
@@ -2512,7 +2512,7 @@
           <a:p>
             <a:fld id="{DFBE82B5-E390-4F3F-A8DD-DBBDB9238106}" type="datetimeFigureOut">
               <a:rPr lang="ru-RU" smtClean="0"/>
-              <a:t>10.05.2025</a:t>
+              <a:t>12.05.2025</a:t>
             </a:fld>
             <a:endParaRPr lang="ru-RU"/>
           </a:p>
@@ -2823,7 +2823,7 @@
           <a:p>
             <a:fld id="{DFBE82B5-E390-4F3F-A8DD-DBBDB9238106}" type="datetimeFigureOut">
               <a:rPr lang="ru-RU" smtClean="0"/>
-              <a:t>10.05.2025</a:t>
+              <a:t>12.05.2025</a:t>
             </a:fld>
             <a:endParaRPr lang="ru-RU"/>
           </a:p>
@@ -3111,7 +3111,7 @@
           <a:p>
             <a:fld id="{DFBE82B5-E390-4F3F-A8DD-DBBDB9238106}" type="datetimeFigureOut">
               <a:rPr lang="ru-RU" smtClean="0"/>
-              <a:t>10.05.2025</a:t>
+              <a:t>12.05.2025</a:t>
             </a:fld>
             <a:endParaRPr lang="ru-RU"/>
           </a:p>
@@ -3352,7 +3352,7 @@
           <a:p>
             <a:fld id="{DFBE82B5-E390-4F3F-A8DD-DBBDB9238106}" type="datetimeFigureOut">
               <a:rPr lang="ru-RU" smtClean="0"/>
-              <a:t>10.05.2025</a:t>
+              <a:t>12.05.2025</a:t>
             </a:fld>
             <a:endParaRPr lang="ru-RU"/>
           </a:p>
@@ -3889,19 +3889,8 @@
                 <a:latin typeface="Times New Roman" panose="02020603050405020304" pitchFamily="18" charset="0"/>
                 <a:cs typeface="Times New Roman" panose="02020603050405020304" pitchFamily="18" charset="0"/>
               </a:rPr>
-              <a:t>АО </a:t>
-            </a:r>
-            <a:r>
-              <a:rPr lang="ru-RU" dirty="0" smtClean="0">
-                <a:latin typeface="Times New Roman" panose="02020603050405020304" pitchFamily="18" charset="0"/>
-                <a:cs typeface="Times New Roman" panose="02020603050405020304" pitchFamily="18" charset="0"/>
-              </a:rPr>
-              <a:t>«КОНСИСТ-ОС»</a:t>
-            </a:r>
-            <a:endParaRPr lang="ru-RU" dirty="0">
-              <a:latin typeface="Times New Roman" panose="02020603050405020304" pitchFamily="18" charset="0"/>
-              <a:cs typeface="Times New Roman" panose="02020603050405020304" pitchFamily="18" charset="0"/>
-            </a:endParaRPr>
+              <a:t>АО «КОНСИСТ-ОС»</a:t>
+            </a:r>
           </a:p>
         </p:txBody>
       </p:sp>
@@ -4120,17 +4109,10 @@
                 <a:latin typeface="Times New Roman" panose="02020603050405020304" pitchFamily="18" charset="0"/>
                 <a:cs typeface="Times New Roman" panose="02020603050405020304" pitchFamily="18" charset="0"/>
               </a:rPr>
-              <a:t>Обучающийся </a:t>
-            </a:r>
-            <a:r>
-              <a:rPr lang="ru-RU" dirty="0" smtClean="0">
-                <a:latin typeface="Times New Roman" panose="02020603050405020304" pitchFamily="18" charset="0"/>
-                <a:cs typeface="Times New Roman" panose="02020603050405020304" pitchFamily="18" charset="0"/>
-              </a:rPr>
-              <a:t>Т. И. </a:t>
-            </a:r>
-            <a:r>
-              <a:rPr lang="ru-RU" dirty="0" err="1" smtClean="0">
+              <a:t>Обучающийся Т. И. </a:t>
+            </a:r>
+            <a:r>
+              <a:rPr lang="ru-RU" dirty="0" err="1">
                 <a:latin typeface="Times New Roman" panose="02020603050405020304" pitchFamily="18" charset="0"/>
                 <a:cs typeface="Times New Roman" panose="02020603050405020304" pitchFamily="18" charset="0"/>
               </a:rPr>
@@ -4240,13 +4222,6 @@
   <p:clrMapOvr>
     <a:masterClrMapping/>
   </p:clrMapOvr>
-  <p:timing>
-    <p:tnLst>
-      <p:par>
-        <p:cTn id="1" dur="indefinite" restart="never" nodeType="tmRoot"/>
-      </p:par>
-    </p:tnLst>
-  </p:timing>
 </p:sld>
 </file>
 
@@ -4303,16 +4278,12 @@
           <a:p>
             <a:pPr algn="just"/>
             <a:r>
-              <a:rPr lang="ru-RU" sz="2400" dirty="0" smtClean="0">
+              <a:rPr lang="ru-RU" sz="2400" dirty="0">
                 <a:latin typeface="Times New Roman" panose="02020603050405020304" pitchFamily="18" charset="0"/>
                 <a:cs typeface="Times New Roman" panose="02020603050405020304" pitchFamily="18" charset="0"/>
               </a:rPr>
               <a:t>Развернутая виртуальная ИТ-инфраструктура</a:t>
             </a:r>
-            <a:endParaRPr lang="ru-RU" sz="2400" dirty="0">
-              <a:latin typeface="Times New Roman" panose="02020603050405020304" pitchFamily="18" charset="0"/>
-              <a:cs typeface="Times New Roman" panose="02020603050405020304" pitchFamily="18" charset="0"/>
-            </a:endParaRPr>
           </a:p>
         </p:txBody>
       </p:sp>
@@ -4426,13 +4397,6 @@
   <p:clrMapOvr>
     <a:masterClrMapping/>
   </p:clrMapOvr>
-  <p:timing>
-    <p:tnLst>
-      <p:par>
-        <p:cTn id="1" dur="indefinite" restart="never" nodeType="tmRoot"/>
-      </p:par>
-    </p:tnLst>
-  </p:timing>
 </p:sld>
 </file>
 
@@ -4489,16 +4453,12 @@
           <a:p>
             <a:pPr algn="just"/>
             <a:r>
-              <a:rPr lang="ru-RU" sz="2400" dirty="0" smtClean="0">
+              <a:rPr lang="ru-RU" sz="2400" dirty="0">
                 <a:latin typeface="Times New Roman" panose="02020603050405020304" pitchFamily="18" charset="0"/>
                 <a:cs typeface="Times New Roman" panose="02020603050405020304" pitchFamily="18" charset="0"/>
               </a:rPr>
               <a:t>Процесс настройки сетевой инфраструктуры</a:t>
             </a:r>
-            <a:endParaRPr lang="ru-RU" sz="2400" dirty="0">
-              <a:latin typeface="Times New Roman" panose="02020603050405020304" pitchFamily="18" charset="0"/>
-              <a:cs typeface="Times New Roman" panose="02020603050405020304" pitchFamily="18" charset="0"/>
-            </a:endParaRPr>
           </a:p>
         </p:txBody>
       </p:sp>
@@ -4612,17 +4572,240 @@
   <p:clrMapOvr>
     <a:masterClrMapping/>
   </p:clrMapOvr>
-  <p:timing>
-    <p:tnLst>
-      <p:par>
-        <p:cTn id="1" dur="indefinite" restart="never" nodeType="tmRoot"/>
-      </p:par>
-    </p:tnLst>
-  </p:timing>
 </p:sld>
 </file>
 
 <file path=ppt/slides/slide4.xml><?xml version="1.0" encoding="utf-8"?>
+<p:sld xmlns:a="http://schemas.openxmlformats.org/drawingml/2006/main" xmlns:r="http://schemas.openxmlformats.org/officeDocument/2006/relationships" xmlns:p="http://schemas.openxmlformats.org/presentationml/2006/main">
+  <p:cSld>
+    <p:spTree>
+      <p:nvGrpSpPr>
+        <p:cNvPr id="1" name="">
+          <a:extLst>
+            <a:ext uri="{FF2B5EF4-FFF2-40B4-BE49-F238E27FC236}">
+              <a16:creationId xmlns:a16="http://schemas.microsoft.com/office/drawing/2014/main" id="{86C8AAB8-5244-0513-36BC-E8C9710AEF8D}"/>
+            </a:ext>
+          </a:extLst>
+        </p:cNvPr>
+        <p:cNvGrpSpPr/>
+        <p:nvPr/>
+      </p:nvGrpSpPr>
+      <p:grpSpPr>
+        <a:xfrm>
+          <a:off x="0" y="0"/>
+          <a:ext cx="0" cy="0"/>
+          <a:chOff x="0" y="0"/>
+          <a:chExt cx="0" cy="0"/>
+        </a:xfrm>
+      </p:grpSpPr>
+      <p:sp>
+        <p:nvSpPr>
+          <p:cNvPr id="2" name="Заголовок 1">
+            <a:extLst>
+              <a:ext uri="{FF2B5EF4-FFF2-40B4-BE49-F238E27FC236}">
+                <a16:creationId xmlns:a16="http://schemas.microsoft.com/office/drawing/2014/main" id="{D6F95F98-0312-8B49-9A30-107FD267970A}"/>
+              </a:ext>
+            </a:extLst>
+          </p:cNvPr>
+          <p:cNvSpPr>
+            <a:spLocks noGrp="1"/>
+          </p:cNvSpPr>
+          <p:nvPr>
+            <p:ph type="ctrTitle"/>
+          </p:nvPr>
+        </p:nvSpPr>
+        <p:spPr>
+          <a:xfrm>
+            <a:off x="261840" y="165909"/>
+            <a:ext cx="11337304" cy="542161"/>
+          </a:xfrm>
+        </p:spPr>
+        <p:txBody>
+          <a:bodyPr anchor="t">
+            <a:noAutofit/>
+          </a:bodyPr>
+          <a:lstStyle/>
+          <a:p>
+            <a:pPr algn="just"/>
+            <a:r>
+              <a:rPr lang="ru-RU" sz="2400" dirty="0">
+                <a:latin typeface="Times New Roman" panose="02020603050405020304" pitchFamily="18" charset="0"/>
+                <a:cs typeface="Times New Roman" panose="02020603050405020304" pitchFamily="18" charset="0"/>
+              </a:rPr>
+              <a:t>Настройка аутентификации</a:t>
+            </a:r>
+            <a:r>
+              <a:rPr lang="en-US" sz="2400" dirty="0">
+                <a:latin typeface="Times New Roman" panose="02020603050405020304" pitchFamily="18" charset="0"/>
+                <a:cs typeface="Times New Roman" panose="02020603050405020304" pitchFamily="18" charset="0"/>
+              </a:rPr>
+              <a:t> </a:t>
+            </a:r>
+            <a:r>
+              <a:rPr lang="ru-RU" sz="2400" dirty="0">
+                <a:latin typeface="Times New Roman" panose="02020603050405020304" pitchFamily="18" charset="0"/>
+                <a:cs typeface="Times New Roman" panose="02020603050405020304" pitchFamily="18" charset="0"/>
+              </a:rPr>
+              <a:t>с провайдером </a:t>
+            </a:r>
+            <a:r>
+              <a:rPr lang="en-US" sz="2400" dirty="0">
+                <a:latin typeface="Times New Roman" panose="02020603050405020304" pitchFamily="18" charset="0"/>
+                <a:cs typeface="Times New Roman" panose="02020603050405020304" pitchFamily="18" charset="0"/>
+              </a:rPr>
+              <a:t>LDAP</a:t>
+            </a:r>
+            <a:endParaRPr lang="ru-RU" sz="2400" dirty="0">
+              <a:latin typeface="Times New Roman" panose="02020603050405020304" pitchFamily="18" charset="0"/>
+              <a:cs typeface="Times New Roman" panose="02020603050405020304" pitchFamily="18" charset="0"/>
+            </a:endParaRPr>
+          </a:p>
+        </p:txBody>
+      </p:sp>
+      <p:pic>
+        <p:nvPicPr>
+          <p:cNvPr id="7" name="Рисунок 6">
+            <a:extLst>
+              <a:ext uri="{FF2B5EF4-FFF2-40B4-BE49-F238E27FC236}">
+                <a16:creationId xmlns:a16="http://schemas.microsoft.com/office/drawing/2014/main" id="{DA1D9037-98BF-AB91-1EB9-E745DA9EAF46}"/>
+              </a:ext>
+            </a:extLst>
+          </p:cNvPr>
+          <p:cNvPicPr>
+            <a:picLocks noChangeAspect="1"/>
+          </p:cNvPicPr>
+          <p:nvPr/>
+        </p:nvPicPr>
+        <p:blipFill>
+          <a:blip r:embed="rId2" cstate="hqprint">
+            <a:extLst>
+              <a:ext uri="{28A0092B-C50C-407E-A947-70E740481C1C}">
+                <a14:useLocalDpi xmlns:a14="http://schemas.microsoft.com/office/drawing/2010/main" val="0"/>
+              </a:ext>
+            </a:extLst>
+          </a:blip>
+          <a:stretch>
+            <a:fillRect/>
+          </a:stretch>
+        </p:blipFill>
+        <p:spPr>
+          <a:xfrm>
+            <a:off x="9756742" y="5952422"/>
+            <a:ext cx="1998996" cy="735894"/>
+          </a:xfrm>
+          <a:prstGeom prst="rect">
+            <a:avLst/>
+          </a:prstGeom>
+        </p:spPr>
+      </p:pic>
+      <p:pic>
+        <p:nvPicPr>
+          <p:cNvPr id="8" name="Picture 2" descr="АО &quot;КОНСИСТ-ОС&quot;">
+            <a:extLst>
+              <a:ext uri="{FF2B5EF4-FFF2-40B4-BE49-F238E27FC236}">
+                <a16:creationId xmlns:a16="http://schemas.microsoft.com/office/drawing/2014/main" id="{38080886-F202-F795-6337-EB4EDE1BE7B6}"/>
+              </a:ext>
+            </a:extLst>
+          </p:cNvPr>
+          <p:cNvPicPr>
+            <a:picLocks noChangeAspect="1" noChangeArrowheads="1"/>
+          </p:cNvPicPr>
+          <p:nvPr/>
+        </p:nvPicPr>
+        <p:blipFill>
+          <a:blip r:embed="rId3">
+            <a:extLst>
+              <a:ext uri="{28A0092B-C50C-407E-A947-70E740481C1C}">
+                <a14:useLocalDpi xmlns:a14="http://schemas.microsoft.com/office/drawing/2010/main" val="0"/>
+              </a:ext>
+            </a:extLst>
+          </a:blip>
+          <a:srcRect/>
+          <a:stretch>
+            <a:fillRect/>
+          </a:stretch>
+        </p:blipFill>
+        <p:spPr bwMode="auto">
+          <a:xfrm>
+            <a:off x="261840" y="5952422"/>
+            <a:ext cx="2033993" cy="735894"/>
+          </a:xfrm>
+          <a:prstGeom prst="rect">
+            <a:avLst/>
+          </a:prstGeom>
+          <a:noFill/>
+          <a:extLst>
+            <a:ext uri="{909E8E84-426E-40DD-AFC4-6F175D3DCCD1}">
+              <a14:hiddenFill xmlns:a14="http://schemas.microsoft.com/office/drawing/2010/main">
+                <a:solidFill>
+                  <a:srgbClr val="FFFFFF"/>
+                </a:solidFill>
+              </a14:hiddenFill>
+            </a:ext>
+          </a:extLst>
+        </p:spPr>
+      </p:pic>
+      <p:pic>
+        <p:nvPicPr>
+          <p:cNvPr id="1026" name="Picture 2">
+            <a:extLst>
+              <a:ext uri="{FF2B5EF4-FFF2-40B4-BE49-F238E27FC236}">
+                <a16:creationId xmlns:a16="http://schemas.microsoft.com/office/drawing/2014/main" id="{951C9A2E-60D0-36CD-7831-F46C4A346074}"/>
+              </a:ext>
+            </a:extLst>
+          </p:cNvPr>
+          <p:cNvPicPr>
+            <a:picLocks noChangeAspect="1" noChangeArrowheads="1"/>
+          </p:cNvPicPr>
+          <p:nvPr/>
+        </p:nvPicPr>
+        <p:blipFill>
+          <a:blip r:embed="rId4">
+            <a:extLst>
+              <a:ext uri="{28A0092B-C50C-407E-A947-70E740481C1C}">
+                <a14:useLocalDpi xmlns:a14="http://schemas.microsoft.com/office/drawing/2010/main" val="0"/>
+              </a:ext>
+            </a:extLst>
+          </a:blip>
+          <a:srcRect/>
+          <a:stretch>
+            <a:fillRect/>
+          </a:stretch>
+        </p:blipFill>
+        <p:spPr bwMode="auto">
+          <a:xfrm>
+            <a:off x="1088230" y="720102"/>
+            <a:ext cx="10144680" cy="5032712"/>
+          </a:xfrm>
+          <a:prstGeom prst="rect">
+            <a:avLst/>
+          </a:prstGeom>
+          <a:noFill/>
+          <a:extLst>
+            <a:ext uri="{909E8E84-426E-40DD-AFC4-6F175D3DCCD1}">
+              <a14:hiddenFill xmlns:a14="http://schemas.microsoft.com/office/drawing/2010/main">
+                <a:solidFill>
+                  <a:srgbClr val="FFFFFF"/>
+                </a:solidFill>
+              </a14:hiddenFill>
+            </a:ext>
+          </a:extLst>
+        </p:spPr>
+      </p:pic>
+    </p:spTree>
+    <p:extLst>
+      <p:ext uri="{BB962C8B-B14F-4D97-AF65-F5344CB8AC3E}">
+        <p14:creationId xmlns:p14="http://schemas.microsoft.com/office/powerpoint/2010/main" val="3124429662"/>
+      </p:ext>
+    </p:extLst>
+  </p:cSld>
+  <p:clrMapOvr>
+    <a:masterClrMapping/>
+  </p:clrMapOvr>
+</p:sld>
+</file>
+
+<file path=ppt/slides/slide5.xml><?xml version="1.0" encoding="utf-8"?>
 <p:sld xmlns:a="http://schemas.openxmlformats.org/drawingml/2006/main" xmlns:r="http://schemas.openxmlformats.org/officeDocument/2006/relationships" xmlns:p="http://schemas.openxmlformats.org/presentationml/2006/main">
   <p:cSld>
     <p:spTree>
@@ -4675,14 +4858,14 @@
           <a:p>
             <a:pPr algn="just"/>
             <a:r>
-              <a:rPr lang="ru-RU" sz="2400" dirty="0" smtClean="0">
+              <a:rPr lang="ru-RU" sz="2400" dirty="0">
                 <a:latin typeface="Times New Roman" panose="02020603050405020304" pitchFamily="18" charset="0"/>
                 <a:cs typeface="Times New Roman" panose="02020603050405020304" pitchFamily="18" charset="0"/>
               </a:rPr>
               <a:t>Процесс настройки доменной инфраструктуры с интеграцией с </a:t>
             </a:r>
             <a:r>
-              <a:rPr lang="en-US" sz="2400" dirty="0" smtClean="0">
+              <a:rPr lang="en-US" sz="2400" dirty="0">
                 <a:latin typeface="Times New Roman" panose="02020603050405020304" pitchFamily="18" charset="0"/>
                 <a:cs typeface="Times New Roman" panose="02020603050405020304" pitchFamily="18" charset="0"/>
               </a:rPr>
@@ -4805,17 +4988,10 @@
   <p:clrMapOvr>
     <a:masterClrMapping/>
   </p:clrMapOvr>
-  <p:timing>
-    <p:tnLst>
-      <p:par>
-        <p:cTn id="1" dur="indefinite" restart="never" nodeType="tmRoot"/>
-      </p:par>
-    </p:tnLst>
-  </p:timing>
 </p:sld>
 </file>
 
-<file path=ppt/slides/slide5.xml><?xml version="1.0" encoding="utf-8"?>
+<file path=ppt/slides/slide6.xml><?xml version="1.0" encoding="utf-8"?>
 <p:sld xmlns:a="http://schemas.openxmlformats.org/drawingml/2006/main" xmlns:r="http://schemas.openxmlformats.org/officeDocument/2006/relationships" xmlns:p="http://schemas.openxmlformats.org/presentationml/2006/main">
   <p:cSld>
     <p:spTree>
@@ -4856,7 +5032,7 @@
         </p:nvSpPr>
         <p:spPr>
           <a:xfrm>
-            <a:off x="201104" y="169683"/>
+            <a:off x="201104" y="238433"/>
             <a:ext cx="11337304" cy="542161"/>
           </a:xfrm>
         </p:spPr>
@@ -4867,10 +5043,13 @@
           <a:lstStyle/>
           <a:p>
             <a:pPr algn="just"/>
-            <a:endParaRPr lang="ru-RU" sz="2400" dirty="0">
-              <a:latin typeface="Times New Roman" panose="02020603050405020304" pitchFamily="18" charset="0"/>
-              <a:cs typeface="Times New Roman" panose="02020603050405020304" pitchFamily="18" charset="0"/>
-            </a:endParaRPr>
+            <a:r>
+              <a:rPr lang="ru-RU" sz="2400" dirty="0">
+                <a:latin typeface="Times New Roman" panose="02020603050405020304" pitchFamily="18" charset="0"/>
+                <a:cs typeface="Times New Roman" panose="02020603050405020304" pitchFamily="18" charset="0"/>
+              </a:rPr>
+              <a:t>Настройка одного из серверов в домене</a:t>
+            </a:r>
           </a:p>
         </p:txBody>
       </p:sp>
@@ -4967,8 +5146,8 @@
         </p:blipFill>
         <p:spPr>
           <a:xfrm>
-            <a:off x="2004060" y="929713"/>
-            <a:ext cx="7894320" cy="4723311"/>
+            <a:off x="1558661" y="780594"/>
+            <a:ext cx="8394720" cy="5022709"/>
           </a:xfrm>
           <a:prstGeom prst="rect">
             <a:avLst/>
@@ -4985,207 +5164,6 @@
   <p:clrMapOvr>
     <a:masterClrMapping/>
   </p:clrMapOvr>
-  <p:timing>
-    <p:tnLst>
-      <p:par>
-        <p:cTn id="1" dur="indefinite" restart="never" nodeType="tmRoot"/>
-      </p:par>
-    </p:tnLst>
-  </p:timing>
-</p:sld>
-</file>
-
-<file path=ppt/slides/slide6.xml><?xml version="1.0" encoding="utf-8"?>
-<p:sld xmlns:a="http://schemas.openxmlformats.org/drawingml/2006/main" xmlns:r="http://schemas.openxmlformats.org/officeDocument/2006/relationships" xmlns:p="http://schemas.openxmlformats.org/presentationml/2006/main">
-  <p:cSld>
-    <p:spTree>
-      <p:nvGrpSpPr>
-        <p:cNvPr id="1" name="">
-          <a:extLst>
-            <a:ext uri="{FF2B5EF4-FFF2-40B4-BE49-F238E27FC236}">
-              <a16:creationId xmlns:a16="http://schemas.microsoft.com/office/drawing/2014/main" id="{AB38C1C2-F310-7C97-F86C-5F7D9FB5D35E}"/>
-            </a:ext>
-          </a:extLst>
-        </p:cNvPr>
-        <p:cNvGrpSpPr/>
-        <p:nvPr/>
-      </p:nvGrpSpPr>
-      <p:grpSpPr>
-        <a:xfrm>
-          <a:off x="0" y="0"/>
-          <a:ext cx="0" cy="0"/>
-          <a:chOff x="0" y="0"/>
-          <a:chExt cx="0" cy="0"/>
-        </a:xfrm>
-      </p:grpSpPr>
-      <p:sp>
-        <p:nvSpPr>
-          <p:cNvPr id="2" name="Заголовок 1">
-            <a:extLst>
-              <a:ext uri="{FF2B5EF4-FFF2-40B4-BE49-F238E27FC236}">
-                <a16:creationId xmlns:a16="http://schemas.microsoft.com/office/drawing/2014/main" id="{6835363A-919A-323A-058E-28AA22C2C1CA}"/>
-              </a:ext>
-            </a:extLst>
-          </p:cNvPr>
-          <p:cNvSpPr>
-            <a:spLocks noGrp="1"/>
-          </p:cNvSpPr>
-          <p:nvPr>
-            <p:ph type="ctrTitle"/>
-          </p:nvPr>
-        </p:nvSpPr>
-        <p:spPr>
-          <a:xfrm>
-            <a:off x="261840" y="165909"/>
-            <a:ext cx="11337304" cy="542161"/>
-          </a:xfrm>
-        </p:spPr>
-        <p:txBody>
-          <a:bodyPr anchor="t">
-            <a:noAutofit/>
-          </a:bodyPr>
-          <a:lstStyle/>
-          <a:p>
-            <a:pPr algn="just"/>
-            <a:r>
-              <a:rPr lang="ru-RU" sz="2400" dirty="0" smtClean="0">
-                <a:latin typeface="Times New Roman" panose="02020603050405020304" pitchFamily="18" charset="0"/>
-                <a:cs typeface="Times New Roman" panose="02020603050405020304" pitchFamily="18" charset="0"/>
-              </a:rPr>
-              <a:t>Отладка работы </a:t>
-            </a:r>
-            <a:r>
-              <a:rPr lang="en-US" sz="2400" dirty="0" smtClean="0">
-                <a:latin typeface="Times New Roman" panose="02020603050405020304" pitchFamily="18" charset="0"/>
-                <a:cs typeface="Times New Roman" panose="02020603050405020304" pitchFamily="18" charset="0"/>
-              </a:rPr>
-              <a:t>ALD Pro</a:t>
-            </a:r>
-            <a:endParaRPr lang="ru-RU" sz="2400" dirty="0">
-              <a:latin typeface="Times New Roman" panose="02020603050405020304" pitchFamily="18" charset="0"/>
-              <a:cs typeface="Times New Roman" panose="02020603050405020304" pitchFamily="18" charset="0"/>
-            </a:endParaRPr>
-          </a:p>
-        </p:txBody>
-      </p:sp>
-      <p:pic>
-        <p:nvPicPr>
-          <p:cNvPr id="7" name="Рисунок 6">
-            <a:extLst>
-              <a:ext uri="{FF2B5EF4-FFF2-40B4-BE49-F238E27FC236}">
-                <a16:creationId xmlns:a16="http://schemas.microsoft.com/office/drawing/2014/main" id="{CC8A7CE7-507A-BD0B-A31D-73674244692C}"/>
-              </a:ext>
-            </a:extLst>
-          </p:cNvPr>
-          <p:cNvPicPr>
-            <a:picLocks noChangeAspect="1"/>
-          </p:cNvPicPr>
-          <p:nvPr/>
-        </p:nvPicPr>
-        <p:blipFill>
-          <a:blip r:embed="rId2" cstate="hqprint">
-            <a:extLst>
-              <a:ext uri="{28A0092B-C50C-407E-A947-70E740481C1C}">
-                <a14:useLocalDpi xmlns:a14="http://schemas.microsoft.com/office/drawing/2010/main" val="0"/>
-              </a:ext>
-            </a:extLst>
-          </a:blip>
-          <a:stretch>
-            <a:fillRect/>
-          </a:stretch>
-        </p:blipFill>
-        <p:spPr>
-          <a:xfrm>
-            <a:off x="9756742" y="5952422"/>
-            <a:ext cx="1998996" cy="735894"/>
-          </a:xfrm>
-          <a:prstGeom prst="rect">
-            <a:avLst/>
-          </a:prstGeom>
-        </p:spPr>
-      </p:pic>
-      <p:pic>
-        <p:nvPicPr>
-          <p:cNvPr id="8" name="Picture 2" descr="АО &quot;КОНСИСТ-ОС&quot;"/>
-          <p:cNvPicPr>
-            <a:picLocks noChangeAspect="1" noChangeArrowheads="1"/>
-          </p:cNvPicPr>
-          <p:nvPr/>
-        </p:nvPicPr>
-        <p:blipFill>
-          <a:blip r:embed="rId3">
-            <a:extLst>
-              <a:ext uri="{28A0092B-C50C-407E-A947-70E740481C1C}">
-                <a14:useLocalDpi xmlns:a14="http://schemas.microsoft.com/office/drawing/2010/main" val="0"/>
-              </a:ext>
-            </a:extLst>
-          </a:blip>
-          <a:srcRect/>
-          <a:stretch>
-            <a:fillRect/>
-          </a:stretch>
-        </p:blipFill>
-        <p:spPr bwMode="auto">
-          <a:xfrm>
-            <a:off x="261840" y="5952422"/>
-            <a:ext cx="2033993" cy="735894"/>
-          </a:xfrm>
-          <a:prstGeom prst="rect">
-            <a:avLst/>
-          </a:prstGeom>
-          <a:noFill/>
-          <a:extLst>
-            <a:ext uri="{909E8E84-426E-40DD-AFC4-6F175D3DCCD1}">
-              <a14:hiddenFill xmlns:a14="http://schemas.microsoft.com/office/drawing/2010/main">
-                <a:solidFill>
-                  <a:srgbClr val="FFFFFF"/>
-                </a:solidFill>
-              </a14:hiddenFill>
-            </a:ext>
-          </a:extLst>
-        </p:spPr>
-      </p:pic>
-      <p:pic>
-        <p:nvPicPr>
-          <p:cNvPr id="3" name="Рисунок 2"/>
-          <p:cNvPicPr>
-            <a:picLocks noChangeAspect="1"/>
-          </p:cNvPicPr>
-          <p:nvPr/>
-        </p:nvPicPr>
-        <p:blipFill>
-          <a:blip r:embed="rId4"/>
-          <a:stretch>
-            <a:fillRect/>
-          </a:stretch>
-        </p:blipFill>
-        <p:spPr>
-          <a:xfrm>
-            <a:off x="1746354" y="814397"/>
-            <a:ext cx="8555338" cy="4835432"/>
-          </a:xfrm>
-          <a:prstGeom prst="rect">
-            <a:avLst/>
-          </a:prstGeom>
-        </p:spPr>
-      </p:pic>
-    </p:spTree>
-    <p:extLst>
-      <p:ext uri="{BB962C8B-B14F-4D97-AF65-F5344CB8AC3E}">
-        <p14:creationId xmlns:p14="http://schemas.microsoft.com/office/powerpoint/2010/main" val="1980390193"/>
-      </p:ext>
-    </p:extLst>
-  </p:cSld>
-  <p:clrMapOvr>
-    <a:masterClrMapping/>
-  </p:clrMapOvr>
-  <p:timing>
-    <p:tnLst>
-      <p:par>
-        <p:cTn id="1" dur="indefinite" restart="never" nodeType="tmRoot"/>
-      </p:par>
-    </p:tnLst>
-  </p:timing>
 </p:sld>
 </file>
 
@@ -5242,28 +5220,215 @@
           <a:p>
             <a:pPr algn="just"/>
             <a:r>
-              <a:rPr lang="ru-RU" sz="2400" dirty="0" smtClean="0">
+              <a:rPr lang="ru-RU" sz="2400" dirty="0">
+                <a:latin typeface="Times New Roman" panose="02020603050405020304" pitchFamily="18" charset="0"/>
+                <a:cs typeface="Times New Roman" panose="02020603050405020304" pitchFamily="18" charset="0"/>
+              </a:rPr>
+              <a:t>Отладка работы </a:t>
+            </a:r>
+            <a:r>
+              <a:rPr lang="en-US" sz="2400" dirty="0">
+                <a:latin typeface="Times New Roman" panose="02020603050405020304" pitchFamily="18" charset="0"/>
+                <a:cs typeface="Times New Roman" panose="02020603050405020304" pitchFamily="18" charset="0"/>
+              </a:rPr>
+              <a:t>ALD Pro</a:t>
+            </a:r>
+            <a:endParaRPr lang="ru-RU" sz="2400" dirty="0">
+              <a:latin typeface="Times New Roman" panose="02020603050405020304" pitchFamily="18" charset="0"/>
+              <a:cs typeface="Times New Roman" panose="02020603050405020304" pitchFamily="18" charset="0"/>
+            </a:endParaRPr>
+          </a:p>
+        </p:txBody>
+      </p:sp>
+      <p:pic>
+        <p:nvPicPr>
+          <p:cNvPr id="7" name="Рисунок 6">
+            <a:extLst>
+              <a:ext uri="{FF2B5EF4-FFF2-40B4-BE49-F238E27FC236}">
+                <a16:creationId xmlns:a16="http://schemas.microsoft.com/office/drawing/2014/main" id="{CC8A7CE7-507A-BD0B-A31D-73674244692C}"/>
+              </a:ext>
+            </a:extLst>
+          </p:cNvPr>
+          <p:cNvPicPr>
+            <a:picLocks noChangeAspect="1"/>
+          </p:cNvPicPr>
+          <p:nvPr/>
+        </p:nvPicPr>
+        <p:blipFill>
+          <a:blip r:embed="rId2" cstate="hqprint">
+            <a:extLst>
+              <a:ext uri="{28A0092B-C50C-407E-A947-70E740481C1C}">
+                <a14:useLocalDpi xmlns:a14="http://schemas.microsoft.com/office/drawing/2010/main" val="0"/>
+              </a:ext>
+            </a:extLst>
+          </a:blip>
+          <a:stretch>
+            <a:fillRect/>
+          </a:stretch>
+        </p:blipFill>
+        <p:spPr>
+          <a:xfrm>
+            <a:off x="9756742" y="5952422"/>
+            <a:ext cx="1998996" cy="735894"/>
+          </a:xfrm>
+          <a:prstGeom prst="rect">
+            <a:avLst/>
+          </a:prstGeom>
+        </p:spPr>
+      </p:pic>
+      <p:pic>
+        <p:nvPicPr>
+          <p:cNvPr id="8" name="Picture 2" descr="АО &quot;КОНСИСТ-ОС&quot;"/>
+          <p:cNvPicPr>
+            <a:picLocks noChangeAspect="1" noChangeArrowheads="1"/>
+          </p:cNvPicPr>
+          <p:nvPr/>
+        </p:nvPicPr>
+        <p:blipFill>
+          <a:blip r:embed="rId3">
+            <a:extLst>
+              <a:ext uri="{28A0092B-C50C-407E-A947-70E740481C1C}">
+                <a14:useLocalDpi xmlns:a14="http://schemas.microsoft.com/office/drawing/2010/main" val="0"/>
+              </a:ext>
+            </a:extLst>
+          </a:blip>
+          <a:srcRect/>
+          <a:stretch>
+            <a:fillRect/>
+          </a:stretch>
+        </p:blipFill>
+        <p:spPr bwMode="auto">
+          <a:xfrm>
+            <a:off x="261840" y="5952422"/>
+            <a:ext cx="2033993" cy="735894"/>
+          </a:xfrm>
+          <a:prstGeom prst="rect">
+            <a:avLst/>
+          </a:prstGeom>
+          <a:noFill/>
+          <a:extLst>
+            <a:ext uri="{909E8E84-426E-40DD-AFC4-6F175D3DCCD1}">
+              <a14:hiddenFill xmlns:a14="http://schemas.microsoft.com/office/drawing/2010/main">
+                <a:solidFill>
+                  <a:srgbClr val="FFFFFF"/>
+                </a:solidFill>
+              </a14:hiddenFill>
+            </a:ext>
+          </a:extLst>
+        </p:spPr>
+      </p:pic>
+      <p:pic>
+        <p:nvPicPr>
+          <p:cNvPr id="3" name="Рисунок 2"/>
+          <p:cNvPicPr>
+            <a:picLocks noChangeAspect="1"/>
+          </p:cNvPicPr>
+          <p:nvPr/>
+        </p:nvPicPr>
+        <p:blipFill>
+          <a:blip r:embed="rId4"/>
+          <a:stretch>
+            <a:fillRect/>
+          </a:stretch>
+        </p:blipFill>
+        <p:spPr>
+          <a:xfrm>
+            <a:off x="1746354" y="814397"/>
+            <a:ext cx="8555338" cy="4835432"/>
+          </a:xfrm>
+          <a:prstGeom prst="rect">
+            <a:avLst/>
+          </a:prstGeom>
+        </p:spPr>
+      </p:pic>
+    </p:spTree>
+    <p:extLst>
+      <p:ext uri="{BB962C8B-B14F-4D97-AF65-F5344CB8AC3E}">
+        <p14:creationId xmlns:p14="http://schemas.microsoft.com/office/powerpoint/2010/main" val="1980390193"/>
+      </p:ext>
+    </p:extLst>
+  </p:cSld>
+  <p:clrMapOvr>
+    <a:masterClrMapping/>
+  </p:clrMapOvr>
+</p:sld>
+</file>
+
+<file path=ppt/slides/slide8.xml><?xml version="1.0" encoding="utf-8"?>
+<p:sld xmlns:a="http://schemas.openxmlformats.org/drawingml/2006/main" xmlns:r="http://schemas.openxmlformats.org/officeDocument/2006/relationships" xmlns:p="http://schemas.openxmlformats.org/presentationml/2006/main">
+  <p:cSld>
+    <p:spTree>
+      <p:nvGrpSpPr>
+        <p:cNvPr id="1" name="">
+          <a:extLst>
+            <a:ext uri="{FF2B5EF4-FFF2-40B4-BE49-F238E27FC236}">
+              <a16:creationId xmlns:a16="http://schemas.microsoft.com/office/drawing/2014/main" id="{AB38C1C2-F310-7C97-F86C-5F7D9FB5D35E}"/>
+            </a:ext>
+          </a:extLst>
+        </p:cNvPr>
+        <p:cNvGrpSpPr/>
+        <p:nvPr/>
+      </p:nvGrpSpPr>
+      <p:grpSpPr>
+        <a:xfrm>
+          <a:off x="0" y="0"/>
+          <a:ext cx="0" cy="0"/>
+          <a:chOff x="0" y="0"/>
+          <a:chExt cx="0" cy="0"/>
+        </a:xfrm>
+      </p:grpSpPr>
+      <p:sp>
+        <p:nvSpPr>
+          <p:cNvPr id="2" name="Заголовок 1">
+            <a:extLst>
+              <a:ext uri="{FF2B5EF4-FFF2-40B4-BE49-F238E27FC236}">
+                <a16:creationId xmlns:a16="http://schemas.microsoft.com/office/drawing/2014/main" id="{6835363A-919A-323A-058E-28AA22C2C1CA}"/>
+              </a:ext>
+            </a:extLst>
+          </p:cNvPr>
+          <p:cNvSpPr>
+            <a:spLocks noGrp="1"/>
+          </p:cNvSpPr>
+          <p:nvPr>
+            <p:ph type="ctrTitle"/>
+          </p:nvPr>
+        </p:nvSpPr>
+        <p:spPr>
+          <a:xfrm>
+            <a:off x="261840" y="165909"/>
+            <a:ext cx="11337304" cy="542161"/>
+          </a:xfrm>
+        </p:spPr>
+        <p:txBody>
+          <a:bodyPr anchor="t">
+            <a:noAutofit/>
+          </a:bodyPr>
+          <a:lstStyle/>
+          <a:p>
+            <a:pPr algn="just"/>
+            <a:r>
+              <a:rPr lang="ru-RU" sz="2400" dirty="0">
                 <a:latin typeface="Times New Roman" panose="02020603050405020304" pitchFamily="18" charset="0"/>
                 <a:cs typeface="Times New Roman" panose="02020603050405020304" pitchFamily="18" charset="0"/>
               </a:rPr>
               <a:t>Миграция пользователей из </a:t>
             </a:r>
             <a:r>
-              <a:rPr lang="en-US" sz="2400" dirty="0" smtClean="0">
+              <a:rPr lang="en-US" sz="2400" dirty="0">
                 <a:latin typeface="Times New Roman" panose="02020603050405020304" pitchFamily="18" charset="0"/>
                 <a:cs typeface="Times New Roman" panose="02020603050405020304" pitchFamily="18" charset="0"/>
               </a:rPr>
               <a:t>Windows </a:t>
             </a:r>
             <a:r>
-              <a:rPr lang="ru-RU" sz="2400" dirty="0" smtClean="0">
+              <a:rPr lang="ru-RU" sz="2400" dirty="0">
                 <a:latin typeface="Times New Roman" panose="02020603050405020304" pitchFamily="18" charset="0"/>
                 <a:cs typeface="Times New Roman" panose="02020603050405020304" pitchFamily="18" charset="0"/>
               </a:rPr>
               <a:t>в </a:t>
             </a:r>
             <a:r>
-              <a:rPr lang="en-US" sz="2400" dirty="0" smtClean="0">
+              <a:rPr lang="en-US" sz="2400" dirty="0">
                 <a:latin typeface="Times New Roman" panose="02020603050405020304" pitchFamily="18" charset="0"/>
                 <a:cs typeface="Times New Roman" panose="02020603050405020304" pitchFamily="18" charset="0"/>
               </a:rPr>
@@ -5387,13 +5552,6 @@
   <p:clrMapOvr>
     <a:masterClrMapping/>
   </p:clrMapOvr>
-  <p:timing>
-    <p:tnLst>
-      <p:par>
-        <p:cTn id="1" dur="indefinite" restart="never" nodeType="tmRoot"/>
-      </p:par>
-    </p:tnLst>
-  </p:timing>
 </p:sld>
 </file>
 
